--- a/slides/week12.pptx
+++ b/slides/week12.pptx
@@ -870,7 +870,7 @@
             <a:fld id="{B61BEF0D-F0BB-DE4B-95CE-6DB70DBA9567}" type="datetimeFigureOut">
               <a:rPr lang="en-US" dirty="0"/>
               <a:pPr/>
-              <a:t>5/13/2023</a:t>
+              <a:t>5/14/2023</a:t>
             </a:fld>
             <a:endParaRPr lang="en-US" dirty="0"/>
           </a:p>
@@ -1118,7 +1118,7 @@
             <a:fld id="{B61BEF0D-F0BB-DE4B-95CE-6DB70DBA9567}" type="datetimeFigureOut">
               <a:rPr lang="en-US" dirty="0"/>
               <a:pPr/>
-              <a:t>5/13/2023</a:t>
+              <a:t>5/14/2023</a:t>
             </a:fld>
             <a:endParaRPr lang="en-US" dirty="0"/>
           </a:p>
@@ -1429,7 +1429,7 @@
             <a:fld id="{B61BEF0D-F0BB-DE4B-95CE-6DB70DBA9567}" type="datetimeFigureOut">
               <a:rPr lang="en-US" dirty="0"/>
               <a:pPr/>
-              <a:t>5/13/2023</a:t>
+              <a:t>5/14/2023</a:t>
             </a:fld>
             <a:endParaRPr lang="en-US" dirty="0"/>
           </a:p>
@@ -1759,7 +1759,7 @@
             <a:fld id="{B61BEF0D-F0BB-DE4B-95CE-6DB70DBA9567}" type="datetimeFigureOut">
               <a:rPr lang="en-US" dirty="0"/>
               <a:pPr/>
-              <a:t>5/13/2023</a:t>
+              <a:t>5/14/2023</a:t>
             </a:fld>
             <a:endParaRPr lang="en-US" dirty="0"/>
           </a:p>
@@ -2070,7 +2070,7 @@
             <a:fld id="{B61BEF0D-F0BB-DE4B-95CE-6DB70DBA9567}" type="datetimeFigureOut">
               <a:rPr lang="en-US" dirty="0"/>
               <a:pPr/>
-              <a:t>5/13/2023</a:t>
+              <a:t>5/14/2023</a:t>
             </a:fld>
             <a:endParaRPr lang="en-US" dirty="0"/>
           </a:p>
@@ -2460,7 +2460,7 @@
             <a:fld id="{B61BEF0D-F0BB-DE4B-95CE-6DB70DBA9567}" type="datetimeFigureOut">
               <a:rPr lang="en-US" dirty="0"/>
               <a:pPr/>
-              <a:t>5/13/2023</a:t>
+              <a:t>5/14/2023</a:t>
             </a:fld>
             <a:endParaRPr lang="en-US" dirty="0"/>
           </a:p>
@@ -2626,7 +2626,7 @@
           <a:p>
             <a:fld id="{55C6B4A9-1611-4792-9094-5F34BCA07E0B}" type="datetimeFigureOut">
               <a:rPr lang="en-US" dirty="0"/>
-              <a:t>5/13/2023</a:t>
+              <a:t>5/14/2023</a:t>
             </a:fld>
             <a:endParaRPr lang="en-US" dirty="0"/>
           </a:p>
@@ -2802,7 +2802,7 @@
             <a:fld id="{B61BEF0D-F0BB-DE4B-95CE-6DB70DBA9567}" type="datetimeFigureOut">
               <a:rPr lang="en-US" dirty="0"/>
               <a:pPr/>
-              <a:t>5/13/2023</a:t>
+              <a:t>5/14/2023</a:t>
             </a:fld>
             <a:endParaRPr lang="en-US" dirty="0"/>
           </a:p>
@@ -2968,7 +2968,7 @@
           <a:p>
             <a:fld id="{42A54C80-263E-416B-A8E0-580EDEADCBDC}" type="datetimeFigureOut">
               <a:rPr lang="en-US" dirty="0"/>
-              <a:t>5/13/2023</a:t>
+              <a:t>5/14/2023</a:t>
             </a:fld>
             <a:endParaRPr lang="en-US" dirty="0"/>
           </a:p>
@@ -3211,7 +3211,7 @@
             <a:fld id="{B61BEF0D-F0BB-DE4B-95CE-6DB70DBA9567}" type="datetimeFigureOut">
               <a:rPr lang="en-US" dirty="0"/>
               <a:pPr/>
-              <a:t>5/13/2023</a:t>
+              <a:t>5/14/2023</a:t>
             </a:fld>
             <a:endParaRPr lang="en-US" dirty="0"/>
           </a:p>
@@ -3439,7 +3439,7 @@
           <a:p>
             <a:fld id="{42A54C80-263E-416B-A8E0-580EDEADCBDC}" type="datetimeFigureOut">
               <a:rPr lang="en-US" dirty="0"/>
-              <a:t>5/13/2023</a:t>
+              <a:t>5/14/2023</a:t>
             </a:fld>
             <a:endParaRPr lang="en-US" dirty="0"/>
           </a:p>
@@ -3809,7 +3809,7 @@
             <a:fld id="{B61BEF0D-F0BB-DE4B-95CE-6DB70DBA9567}" type="datetimeFigureOut">
               <a:rPr lang="en-US" dirty="0"/>
               <a:pPr/>
-              <a:t>5/13/2023</a:t>
+              <a:t>5/14/2023</a:t>
             </a:fld>
             <a:endParaRPr lang="en-US" dirty="0"/>
           </a:p>
@@ -3929,7 +3929,7 @@
             <a:fld id="{B61BEF0D-F0BB-DE4B-95CE-6DB70DBA9567}" type="datetimeFigureOut">
               <a:rPr lang="en-US" dirty="0"/>
               <a:pPr/>
-              <a:t>5/13/2023</a:t>
+              <a:t>5/14/2023</a:t>
             </a:fld>
             <a:endParaRPr lang="en-US" dirty="0"/>
           </a:p>
@@ -4021,7 +4021,7 @@
             <a:fld id="{B61BEF0D-F0BB-DE4B-95CE-6DB70DBA9567}" type="datetimeFigureOut">
               <a:rPr lang="en-US" dirty="0"/>
               <a:pPr/>
-              <a:t>5/13/2023</a:t>
+              <a:t>5/14/2023</a:t>
             </a:fld>
             <a:endParaRPr lang="en-US" dirty="0"/>
           </a:p>
@@ -4272,7 +4272,7 @@
           <a:p>
             <a:fld id="{42A54C80-263E-416B-A8E0-580EDEADCBDC}" type="datetimeFigureOut">
               <a:rPr lang="en-US" dirty="0"/>
-              <a:t>5/13/2023</a:t>
+              <a:t>5/14/2023</a:t>
             </a:fld>
             <a:endParaRPr lang="en-US" dirty="0"/>
           </a:p>
@@ -4574,7 +4574,7 @@
             <a:fld id="{B61BEF0D-F0BB-DE4B-95CE-6DB70DBA9567}" type="datetimeFigureOut">
               <a:rPr lang="en-US" dirty="0"/>
               <a:pPr/>
-              <a:t>5/13/2023</a:t>
+              <a:t>5/14/2023</a:t>
             </a:fld>
             <a:endParaRPr lang="en-US" dirty="0"/>
           </a:p>
@@ -5272,7 +5272,7 @@
             <a:fld id="{B61BEF0D-F0BB-DE4B-95CE-6DB70DBA9567}" type="datetimeFigureOut">
               <a:rPr lang="en-US" dirty="0"/>
               <a:pPr/>
-              <a:t>5/13/2023</a:t>
+              <a:t>5/14/2023</a:t>
             </a:fld>
             <a:endParaRPr lang="en-US" dirty="0"/>
           </a:p>
@@ -7110,7 +7110,7 @@
                 </a:solidFill>
                 <a:latin typeface="-apple-system"/>
               </a:rPr>
-              <a:t>2</a:t>
+              <a:t>1</a:t>
             </a:r>
             <a:r>
               <a:rPr lang="zh-CN" altLang="en-US" sz="2400" dirty="0">
@@ -7190,7 +7190,7 @@
                 </a:solidFill>
                 <a:latin typeface="-apple-system"/>
               </a:rPr>
-              <a:t>2</a:t>
+              <a:t>1</a:t>
             </a:r>
             <a:r>
               <a:rPr lang="zh-CN" altLang="en-US" sz="2400" dirty="0">
@@ -7210,14 +7210,94 @@
           </a:p>
           <a:p>
             <a:r>
-              <a:rPr lang="en-US" altLang="zh-CN" sz="2600" b="0" i="0" dirty="0">
+              <a:rPr lang="zh-CN" altLang="en-US" sz="2600" dirty="0">
+                <a:solidFill>
+                  <a:srgbClr val="000000"/>
+                </a:solidFill>
+                <a:latin typeface="-apple-system"/>
+              </a:rPr>
+              <a:t>将</a:t>
+            </a:r>
+            <a:r>
+              <a:rPr lang="en-US" altLang="zh-CN" sz="2600" dirty="0">
+                <a:solidFill>
+                  <a:srgbClr val="000000"/>
+                </a:solidFill>
+                <a:latin typeface="-apple-system"/>
+              </a:rPr>
+              <a:t>unsafe code</a:t>
+            </a:r>
+            <a:r>
+              <a:rPr lang="zh-CN" altLang="en-US" sz="2600" dirty="0">
+                <a:solidFill>
+                  <a:srgbClr val="000000"/>
+                </a:solidFill>
+                <a:latin typeface="-apple-system"/>
+              </a:rPr>
+              <a:t>尽量去掉</a:t>
+            </a:r>
+            <a:endParaRPr lang="en-US" altLang="zh-CN" sz="2600" dirty="0">
+              <a:solidFill>
+                <a:srgbClr val="000000"/>
+              </a:solidFill>
+              <a:latin typeface="-apple-system"/>
+            </a:endParaRPr>
+          </a:p>
+          <a:p>
+            <a:r>
+              <a:rPr lang="zh-CN" altLang="en-US" sz="2600" b="0" i="0" dirty="0">
                 <a:solidFill>
                   <a:srgbClr val="000000"/>
                 </a:solidFill>
                 <a:effectLst/>
                 <a:latin typeface="-apple-system"/>
               </a:rPr>
-              <a:t>……</a:t>
+              <a:t>将需要多线程的测试用例接入现在的框架</a:t>
+            </a:r>
+            <a:endParaRPr lang="en-US" altLang="zh-CN" sz="2600" b="0" i="0" dirty="0">
+              <a:solidFill>
+                <a:srgbClr val="000000"/>
+              </a:solidFill>
+              <a:effectLst/>
+              <a:latin typeface="-apple-system"/>
+            </a:endParaRPr>
+          </a:p>
+          <a:p>
+            <a:r>
+              <a:rPr lang="zh-CN" altLang="en-US" sz="2600" dirty="0">
+                <a:solidFill>
+                  <a:srgbClr val="000000"/>
+                </a:solidFill>
+                <a:latin typeface="-apple-system"/>
+              </a:rPr>
+              <a:t>在</a:t>
+            </a:r>
+            <a:r>
+              <a:rPr lang="en-US" altLang="zh-CN" sz="2600" dirty="0" err="1">
+                <a:solidFill>
+                  <a:srgbClr val="000000"/>
+                </a:solidFill>
+                <a:latin typeface="-apple-system"/>
+              </a:rPr>
+              <a:t>arceos</a:t>
+            </a:r>
+            <a:r>
+              <a:rPr lang="zh-CN" altLang="en-US" sz="2600" dirty="0">
+                <a:solidFill>
+                  <a:srgbClr val="000000"/>
+                </a:solidFill>
+                <a:latin typeface="-apple-system"/>
+              </a:rPr>
+              <a:t>里进行所有测试</a:t>
+            </a:r>
+            <a:r>
+              <a:rPr lang="zh-CN" altLang="en-US" sz="2600">
+                <a:solidFill>
+                  <a:srgbClr val="000000"/>
+                </a:solidFill>
+                <a:latin typeface="-apple-system"/>
+              </a:rPr>
+              <a:t>，并给出分析</a:t>
             </a:r>
             <a:endParaRPr lang="en-US" altLang="zh-CN" sz="2800" b="0" i="0" dirty="0">
               <a:solidFill>
